--- a/20210811_REM分析 .pptx
+++ b/20210811_REM分析 .pptx
@@ -6111,194 +6111,6 @@
   <p:clrMapOvr>
     <a:masterClrMapping/>
   </p:clrMapOvr>
-  <p:timing>
-    <p:tnLst>
-      <p:par>
-        <p:cTn id="1" dur="indefinite" restart="never" nodeType="tmRoot">
-          <p:childTnLst>
-            <p:seq concurrent="1" nextAc="seek">
-              <p:cTn id="2" dur="indefinite" nodeType="mainSeq">
-                <p:childTnLst>
-                  <p:par>
-                    <p:cTn id="3" fill="hold">
-                      <p:stCondLst>
-                        <p:cond delay="indefinite"/>
-                      </p:stCondLst>
-                      <p:childTnLst>
-                        <p:par>
-                          <p:cTn id="4" fill="hold">
-                            <p:stCondLst>
-                              <p:cond delay="0"/>
-                            </p:stCondLst>
-                            <p:childTnLst>
-                              <p:par>
-                                <p:cTn id="5" presetID="10" presetClass="entr" presetSubtype="0" fill="hold" nodeType="clickEffect">
-                                  <p:stCondLst>
-                                    <p:cond delay="0"/>
-                                  </p:stCondLst>
-                                  <p:childTnLst>
-                                    <p:set>
-                                      <p:cBhvr>
-                                        <p:cTn id="6" dur="1" fill="hold">
-                                          <p:stCondLst>
-                                            <p:cond delay="0"/>
-                                          </p:stCondLst>
-                                        </p:cTn>
-                                        <p:tgtEl>
-                                          <p:spTgt spid="11"/>
-                                        </p:tgtEl>
-                                        <p:attrNameLst>
-                                          <p:attrName>style.visibility</p:attrName>
-                                        </p:attrNameLst>
-                                      </p:cBhvr>
-                                      <p:to>
-                                        <p:strVal val="visible"/>
-                                      </p:to>
-                                    </p:set>
-                                    <p:animEffect transition="in" filter="fade">
-                                      <p:cBhvr>
-                                        <p:cTn id="7" dur="500"/>
-                                        <p:tgtEl>
-                                          <p:spTgt spid="11"/>
-                                        </p:tgtEl>
-                                      </p:cBhvr>
-                                    </p:animEffect>
-                                  </p:childTnLst>
-                                </p:cTn>
-                              </p:par>
-                              <p:par>
-                                <p:cTn id="8" presetID="10" presetClass="entr" presetSubtype="0" fill="hold" nodeType="withEffect">
-                                  <p:stCondLst>
-                                    <p:cond delay="0"/>
-                                  </p:stCondLst>
-                                  <p:childTnLst>
-                                    <p:set>
-                                      <p:cBhvr>
-                                        <p:cTn id="9" dur="1" fill="hold">
-                                          <p:stCondLst>
-                                            <p:cond delay="0"/>
-                                          </p:stCondLst>
-                                        </p:cTn>
-                                        <p:tgtEl>
-                                          <p:spTgt spid="12"/>
-                                        </p:tgtEl>
-                                        <p:attrNameLst>
-                                          <p:attrName>style.visibility</p:attrName>
-                                        </p:attrNameLst>
-                                      </p:cBhvr>
-                                      <p:to>
-                                        <p:strVal val="visible"/>
-                                      </p:to>
-                                    </p:set>
-                                    <p:animEffect transition="in" filter="fade">
-                                      <p:cBhvr>
-                                        <p:cTn id="10" dur="500"/>
-                                        <p:tgtEl>
-                                          <p:spTgt spid="12"/>
-                                        </p:tgtEl>
-                                      </p:cBhvr>
-                                    </p:animEffect>
-                                  </p:childTnLst>
-                                </p:cTn>
-                              </p:par>
-                              <p:par>
-                                <p:cTn id="11" presetID="10" presetClass="entr" presetSubtype="0" fill="hold" nodeType="withEffect">
-                                  <p:stCondLst>
-                                    <p:cond delay="0"/>
-                                  </p:stCondLst>
-                                  <p:childTnLst>
-                                    <p:set>
-                                      <p:cBhvr>
-                                        <p:cTn id="12" dur="1" fill="hold">
-                                          <p:stCondLst>
-                                            <p:cond delay="0"/>
-                                          </p:stCondLst>
-                                        </p:cTn>
-                                        <p:tgtEl>
-                                          <p:spTgt spid="13"/>
-                                        </p:tgtEl>
-                                        <p:attrNameLst>
-                                          <p:attrName>style.visibility</p:attrName>
-                                        </p:attrNameLst>
-                                      </p:cBhvr>
-                                      <p:to>
-                                        <p:strVal val="visible"/>
-                                      </p:to>
-                                    </p:set>
-                                    <p:animEffect transition="in" filter="fade">
-                                      <p:cBhvr>
-                                        <p:cTn id="13" dur="500"/>
-                                        <p:tgtEl>
-                                          <p:spTgt spid="13"/>
-                                        </p:tgtEl>
-                                      </p:cBhvr>
-                                    </p:animEffect>
-                                  </p:childTnLst>
-                                </p:cTn>
-                              </p:par>
-                              <p:par>
-                                <p:cTn id="14" presetID="10" presetClass="entr" presetSubtype="0" fill="hold" nodeType="withEffect">
-                                  <p:stCondLst>
-                                    <p:cond delay="0"/>
-                                  </p:stCondLst>
-                                  <p:childTnLst>
-                                    <p:set>
-                                      <p:cBhvr>
-                                        <p:cTn id="15" dur="1" fill="hold">
-                                          <p:stCondLst>
-                                            <p:cond delay="0"/>
-                                          </p:stCondLst>
-                                        </p:cTn>
-                                        <p:tgtEl>
-                                          <p:spTgt spid="14"/>
-                                        </p:tgtEl>
-                                        <p:attrNameLst>
-                                          <p:attrName>style.visibility</p:attrName>
-                                        </p:attrNameLst>
-                                      </p:cBhvr>
-                                      <p:to>
-                                        <p:strVal val="visible"/>
-                                      </p:to>
-                                    </p:set>
-                                    <p:animEffect transition="in" filter="fade">
-                                      <p:cBhvr>
-                                        <p:cTn id="16" dur="500"/>
-                                        <p:tgtEl>
-                                          <p:spTgt spid="14"/>
-                                        </p:tgtEl>
-                                      </p:cBhvr>
-                                    </p:animEffect>
-                                  </p:childTnLst>
-                                </p:cTn>
-                              </p:par>
-                            </p:childTnLst>
-                          </p:cTn>
-                        </p:par>
-                      </p:childTnLst>
-                    </p:cTn>
-                  </p:par>
-                </p:childTnLst>
-              </p:cTn>
-              <p:prevCondLst>
-                <p:cond evt="onPrev" delay="0">
-                  <p:tgtEl>
-                    <p:sldTgt/>
-                  </p:tgtEl>
-                </p:cond>
-              </p:prevCondLst>
-              <p:nextCondLst>
-                <p:cond evt="onNext" delay="0">
-                  <p:tgtEl>
-                    <p:sldTgt/>
-                  </p:tgtEl>
-                </p:cond>
-              </p:nextCondLst>
-            </p:seq>
-          </p:childTnLst>
-        </p:cTn>
-      </p:par>
-    </p:tnLst>
-  </p:timing>
 </p:sld>
 </file>
 
@@ -11835,68 +11647,6 @@
       </p:sp>
       <p:sp>
         <p:nvSpPr>
-          <p:cNvPr id="10" name="文字方塊 9">
-            <a:extLst>
-              <a:ext uri="{FF2B5EF4-FFF2-40B4-BE49-F238E27FC236}">
-                <a16:creationId xmlns:a16="http://schemas.microsoft.com/office/drawing/2014/main" id="{64C06039-6D27-4769-9BF5-1127DFE41BB2}"/>
-              </a:ext>
-            </a:extLst>
-          </p:cNvPr>
-          <p:cNvSpPr txBox="1"/>
-          <p:nvPr/>
-        </p:nvSpPr>
-        <p:spPr>
-          <a:xfrm>
-            <a:off x="3987279" y="5486348"/>
-            <a:ext cx="1332953" cy="461665"/>
-          </a:xfrm>
-          <a:prstGeom prst="rect">
-            <a:avLst/>
-          </a:prstGeom>
-          <a:noFill/>
-        </p:spPr>
-        <p:txBody>
-          <a:bodyPr wrap="square" rtlCol="0">
-            <a:spAutoFit/>
-          </a:bodyPr>
-          <a:lstStyle/>
-          <a:p>
-            <a:pPr algn="ctr"/>
-            <a:r>
-              <a:rPr lang="en-US" altLang="zh-TW" sz="1200" dirty="0">
-                <a:solidFill>
-                  <a:schemeClr val="accent1">
-                    <a:lumMod val="75000"/>
-                  </a:schemeClr>
-                </a:solidFill>
-              </a:rPr>
-              <a:t>p-value:</a:t>
-            </a:r>
-          </a:p>
-          <a:p>
-            <a:pPr algn="ctr"/>
-            <a:r>
-              <a:rPr lang="en-US" altLang="zh-TW" sz="1200" dirty="0">
-                <a:solidFill>
-                  <a:schemeClr val="accent1">
-                    <a:lumMod val="75000"/>
-                  </a:schemeClr>
-                </a:solidFill>
-              </a:rPr>
-              <a:t>0.624</a:t>
-            </a:r>
-            <a:endParaRPr lang="zh-TW" altLang="en-US" sz="1200" dirty="0">
-              <a:solidFill>
-                <a:schemeClr val="accent1">
-                  <a:lumMod val="75000"/>
-                </a:schemeClr>
-              </a:solidFill>
-            </a:endParaRPr>
-          </a:p>
-        </p:txBody>
-      </p:sp>
-      <p:sp>
-        <p:nvSpPr>
           <p:cNvPr id="11" name="文字方塊 10">
             <a:extLst>
               <a:ext uri="{FF2B5EF4-FFF2-40B4-BE49-F238E27FC236}">
@@ -12209,6 +11959,68 @@
           </a:prstGeom>
         </p:spPr>
       </p:pic>
+      <p:sp>
+        <p:nvSpPr>
+          <p:cNvPr id="10" name="文字方塊 9">
+            <a:extLst>
+              <a:ext uri="{FF2B5EF4-FFF2-40B4-BE49-F238E27FC236}">
+                <a16:creationId xmlns:a16="http://schemas.microsoft.com/office/drawing/2014/main" id="{64C06039-6D27-4769-9BF5-1127DFE41BB2}"/>
+              </a:ext>
+            </a:extLst>
+          </p:cNvPr>
+          <p:cNvSpPr txBox="1"/>
+          <p:nvPr/>
+        </p:nvSpPr>
+        <p:spPr>
+          <a:xfrm>
+            <a:off x="3987279" y="5486348"/>
+            <a:ext cx="1332953" cy="461665"/>
+          </a:xfrm>
+          <a:prstGeom prst="rect">
+            <a:avLst/>
+          </a:prstGeom>
+          <a:noFill/>
+        </p:spPr>
+        <p:txBody>
+          <a:bodyPr wrap="square" rtlCol="0">
+            <a:spAutoFit/>
+          </a:bodyPr>
+          <a:lstStyle/>
+          <a:p>
+            <a:pPr algn="ctr"/>
+            <a:r>
+              <a:rPr lang="en-US" altLang="zh-TW" sz="1200" dirty="0">
+                <a:solidFill>
+                  <a:schemeClr val="accent1">
+                    <a:lumMod val="75000"/>
+                  </a:schemeClr>
+                </a:solidFill>
+              </a:rPr>
+              <a:t>p-value:</a:t>
+            </a:r>
+          </a:p>
+          <a:p>
+            <a:pPr algn="ctr"/>
+            <a:r>
+              <a:rPr lang="en-US" altLang="zh-TW" sz="1200" dirty="0">
+                <a:solidFill>
+                  <a:schemeClr val="accent1">
+                    <a:lumMod val="75000"/>
+                  </a:schemeClr>
+                </a:solidFill>
+              </a:rPr>
+              <a:t>0.624</a:t>
+            </a:r>
+            <a:endParaRPr lang="zh-TW" altLang="en-US" sz="1200" dirty="0">
+              <a:solidFill>
+                <a:schemeClr val="accent1">
+                  <a:lumMod val="75000"/>
+                </a:schemeClr>
+              </a:solidFill>
+            </a:endParaRPr>
+          </a:p>
+        </p:txBody>
+      </p:sp>
     </p:spTree>
     <p:extLst>
       <p:ext uri="{BB962C8B-B14F-4D97-AF65-F5344CB8AC3E}">
@@ -14209,164 +14021,6 @@
   <p:clrMapOvr>
     <a:masterClrMapping/>
   </p:clrMapOvr>
-  <p:timing>
-    <p:tnLst>
-      <p:par>
-        <p:cTn id="1" dur="indefinite" restart="never" nodeType="tmRoot">
-          <p:childTnLst>
-            <p:seq concurrent="1" nextAc="seek">
-              <p:cTn id="2" dur="indefinite" nodeType="mainSeq">
-                <p:childTnLst>
-                  <p:par>
-                    <p:cTn id="3" fill="hold">
-                      <p:stCondLst>
-                        <p:cond delay="indefinite"/>
-                      </p:stCondLst>
-                      <p:childTnLst>
-                        <p:par>
-                          <p:cTn id="4" fill="hold">
-                            <p:stCondLst>
-                              <p:cond delay="0"/>
-                            </p:stCondLst>
-                            <p:childTnLst>
-                              <p:par>
-                                <p:cTn id="5" presetID="10" presetClass="entr" presetSubtype="0" fill="hold" grpId="0" nodeType="clickEffect">
-                                  <p:stCondLst>
-                                    <p:cond delay="0"/>
-                                  </p:stCondLst>
-                                  <p:childTnLst>
-                                    <p:set>
-                                      <p:cBhvr>
-                                        <p:cTn id="6" dur="1" fill="hold">
-                                          <p:stCondLst>
-                                            <p:cond delay="0"/>
-                                          </p:stCondLst>
-                                        </p:cTn>
-                                        <p:tgtEl>
-                                          <p:spTgt spid="10"/>
-                                        </p:tgtEl>
-                                        <p:attrNameLst>
-                                          <p:attrName>style.visibility</p:attrName>
-                                        </p:attrNameLst>
-                                      </p:cBhvr>
-                                      <p:to>
-                                        <p:strVal val="visible"/>
-                                      </p:to>
-                                    </p:set>
-                                    <p:animEffect transition="in" filter="fade">
-                                      <p:cBhvr>
-                                        <p:cTn id="7" dur="500"/>
-                                        <p:tgtEl>
-                                          <p:spTgt spid="10"/>
-                                        </p:tgtEl>
-                                      </p:cBhvr>
-                                    </p:animEffect>
-                                  </p:childTnLst>
-                                </p:cTn>
-                              </p:par>
-                              <p:par>
-                                <p:cTn id="8" presetID="10" presetClass="entr" presetSubtype="0" fill="hold" grpId="0" nodeType="withEffect">
-                                  <p:stCondLst>
-                                    <p:cond delay="0"/>
-                                  </p:stCondLst>
-                                  <p:childTnLst>
-                                    <p:set>
-                                      <p:cBhvr>
-                                        <p:cTn id="9" dur="1" fill="hold">
-                                          <p:stCondLst>
-                                            <p:cond delay="0"/>
-                                          </p:stCondLst>
-                                        </p:cTn>
-                                        <p:tgtEl>
-                                          <p:spTgt spid="9"/>
-                                        </p:tgtEl>
-                                        <p:attrNameLst>
-                                          <p:attrName>style.visibility</p:attrName>
-                                        </p:attrNameLst>
-                                      </p:cBhvr>
-                                      <p:to>
-                                        <p:strVal val="visible"/>
-                                      </p:to>
-                                    </p:set>
-                                    <p:animEffect transition="in" filter="fade">
-                                      <p:cBhvr>
-                                        <p:cTn id="10" dur="500"/>
-                                        <p:tgtEl>
-                                          <p:spTgt spid="9"/>
-                                        </p:tgtEl>
-                                      </p:cBhvr>
-                                    </p:animEffect>
-                                  </p:childTnLst>
-                                </p:cTn>
-                              </p:par>
-                              <p:par>
-                                <p:cTn id="11" presetID="10" presetClass="entr" presetSubtype="0" fill="hold" grpId="0" nodeType="withEffect">
-                                  <p:stCondLst>
-                                    <p:cond delay="0"/>
-                                  </p:stCondLst>
-                                  <p:childTnLst>
-                                    <p:set>
-                                      <p:cBhvr>
-                                        <p:cTn id="12" dur="1" fill="hold">
-                                          <p:stCondLst>
-                                            <p:cond delay="0"/>
-                                          </p:stCondLst>
-                                        </p:cTn>
-                                        <p:tgtEl>
-                                          <p:spTgt spid="11"/>
-                                        </p:tgtEl>
-                                        <p:attrNameLst>
-                                          <p:attrName>style.visibility</p:attrName>
-                                        </p:attrNameLst>
-                                      </p:cBhvr>
-                                      <p:to>
-                                        <p:strVal val="visible"/>
-                                      </p:to>
-                                    </p:set>
-                                    <p:animEffect transition="in" filter="fade">
-                                      <p:cBhvr>
-                                        <p:cTn id="13" dur="500"/>
-                                        <p:tgtEl>
-                                          <p:spTgt spid="11"/>
-                                        </p:tgtEl>
-                                      </p:cBhvr>
-                                    </p:animEffect>
-                                  </p:childTnLst>
-                                </p:cTn>
-                              </p:par>
-                            </p:childTnLst>
-                          </p:cTn>
-                        </p:par>
-                      </p:childTnLst>
-                    </p:cTn>
-                  </p:par>
-                </p:childTnLst>
-              </p:cTn>
-              <p:prevCondLst>
-                <p:cond evt="onPrev" delay="0">
-                  <p:tgtEl>
-                    <p:sldTgt/>
-                  </p:tgtEl>
-                </p:cond>
-              </p:prevCondLst>
-              <p:nextCondLst>
-                <p:cond evt="onNext" delay="0">
-                  <p:tgtEl>
-                    <p:sldTgt/>
-                  </p:tgtEl>
-                </p:cond>
-              </p:nextCondLst>
-            </p:seq>
-          </p:childTnLst>
-        </p:cTn>
-      </p:par>
-    </p:tnLst>
-    <p:bldLst>
-      <p:bldP spid="9" grpId="0" animBg="1"/>
-      <p:bldP spid="10" grpId="0" animBg="1"/>
-      <p:bldP spid="11" grpId="0"/>
-    </p:bldLst>
-  </p:timing>
 </p:sld>
 </file>
 
@@ -14838,232 +14492,6 @@
   <p:clrMapOvr>
     <a:masterClrMapping/>
   </p:clrMapOvr>
-  <p:timing>
-    <p:tnLst>
-      <p:par>
-        <p:cTn id="1" dur="indefinite" restart="never" nodeType="tmRoot">
-          <p:childTnLst>
-            <p:seq concurrent="1" nextAc="seek">
-              <p:cTn id="2" dur="indefinite" nodeType="mainSeq">
-                <p:childTnLst>
-                  <p:par>
-                    <p:cTn id="3" fill="hold">
-                      <p:stCondLst>
-                        <p:cond delay="indefinite"/>
-                      </p:stCondLst>
-                      <p:childTnLst>
-                        <p:par>
-                          <p:cTn id="4" fill="hold">
-                            <p:stCondLst>
-                              <p:cond delay="0"/>
-                            </p:stCondLst>
-                            <p:childTnLst>
-                              <p:par>
-                                <p:cTn id="5" presetID="10" presetClass="entr" presetSubtype="0" fill="hold" nodeType="clickEffect">
-                                  <p:stCondLst>
-                                    <p:cond delay="0"/>
-                                  </p:stCondLst>
-                                  <p:childTnLst>
-                                    <p:set>
-                                      <p:cBhvr>
-                                        <p:cTn id="6" dur="1" fill="hold">
-                                          <p:stCondLst>
-                                            <p:cond delay="0"/>
-                                          </p:stCondLst>
-                                        </p:cTn>
-                                        <p:tgtEl>
-                                          <p:spTgt spid="14"/>
-                                        </p:tgtEl>
-                                        <p:attrNameLst>
-                                          <p:attrName>style.visibility</p:attrName>
-                                        </p:attrNameLst>
-                                      </p:cBhvr>
-                                      <p:to>
-                                        <p:strVal val="visible"/>
-                                      </p:to>
-                                    </p:set>
-                                    <p:animEffect transition="in" filter="fade">
-                                      <p:cBhvr>
-                                        <p:cTn id="7" dur="500"/>
-                                        <p:tgtEl>
-                                          <p:spTgt spid="14"/>
-                                        </p:tgtEl>
-                                      </p:cBhvr>
-                                    </p:animEffect>
-                                  </p:childTnLst>
-                                </p:cTn>
-                              </p:par>
-                              <p:par>
-                                <p:cTn id="8" presetID="10" presetClass="entr" presetSubtype="0" fill="hold" nodeType="withEffect">
-                                  <p:stCondLst>
-                                    <p:cond delay="0"/>
-                                  </p:stCondLst>
-                                  <p:childTnLst>
-                                    <p:set>
-                                      <p:cBhvr>
-                                        <p:cTn id="9" dur="1" fill="hold">
-                                          <p:stCondLst>
-                                            <p:cond delay="0"/>
-                                          </p:stCondLst>
-                                        </p:cTn>
-                                        <p:tgtEl>
-                                          <p:spTgt spid="17"/>
-                                        </p:tgtEl>
-                                        <p:attrNameLst>
-                                          <p:attrName>style.visibility</p:attrName>
-                                        </p:attrNameLst>
-                                      </p:cBhvr>
-                                      <p:to>
-                                        <p:strVal val="visible"/>
-                                      </p:to>
-                                    </p:set>
-                                    <p:animEffect transition="in" filter="fade">
-                                      <p:cBhvr>
-                                        <p:cTn id="10" dur="500"/>
-                                        <p:tgtEl>
-                                          <p:spTgt spid="17"/>
-                                        </p:tgtEl>
-                                      </p:cBhvr>
-                                    </p:animEffect>
-                                  </p:childTnLst>
-                                </p:cTn>
-                              </p:par>
-                              <p:par>
-                                <p:cTn id="11" presetID="10" presetClass="entr" presetSubtype="0" fill="hold" nodeType="withEffect">
-                                  <p:stCondLst>
-                                    <p:cond delay="0"/>
-                                  </p:stCondLst>
-                                  <p:childTnLst>
-                                    <p:set>
-                                      <p:cBhvr>
-                                        <p:cTn id="12" dur="1" fill="hold">
-                                          <p:stCondLst>
-                                            <p:cond delay="0"/>
-                                          </p:stCondLst>
-                                        </p:cTn>
-                                        <p:tgtEl>
-                                          <p:spTgt spid="18"/>
-                                        </p:tgtEl>
-                                        <p:attrNameLst>
-                                          <p:attrName>style.visibility</p:attrName>
-                                        </p:attrNameLst>
-                                      </p:cBhvr>
-                                      <p:to>
-                                        <p:strVal val="visible"/>
-                                      </p:to>
-                                    </p:set>
-                                    <p:animEffect transition="in" filter="fade">
-                                      <p:cBhvr>
-                                        <p:cTn id="13" dur="500"/>
-                                        <p:tgtEl>
-                                          <p:spTgt spid="18"/>
-                                        </p:tgtEl>
-                                      </p:cBhvr>
-                                    </p:animEffect>
-                                  </p:childTnLst>
-                                </p:cTn>
-                              </p:par>
-                              <p:par>
-                                <p:cTn id="14" presetID="10" presetClass="entr" presetSubtype="0" fill="hold" nodeType="withEffect">
-                                  <p:stCondLst>
-                                    <p:cond delay="0"/>
-                                  </p:stCondLst>
-                                  <p:childTnLst>
-                                    <p:set>
-                                      <p:cBhvr>
-                                        <p:cTn id="15" dur="1" fill="hold">
-                                          <p:stCondLst>
-                                            <p:cond delay="0"/>
-                                          </p:stCondLst>
-                                        </p:cTn>
-                                        <p:tgtEl>
-                                          <p:spTgt spid="19"/>
-                                        </p:tgtEl>
-                                        <p:attrNameLst>
-                                          <p:attrName>style.visibility</p:attrName>
-                                        </p:attrNameLst>
-                                      </p:cBhvr>
-                                      <p:to>
-                                        <p:strVal val="visible"/>
-                                      </p:to>
-                                    </p:set>
-                                    <p:animEffect transition="in" filter="fade">
-                                      <p:cBhvr>
-                                        <p:cTn id="16" dur="500"/>
-                                        <p:tgtEl>
-                                          <p:spTgt spid="19"/>
-                                        </p:tgtEl>
-                                      </p:cBhvr>
-                                    </p:animEffect>
-                                  </p:childTnLst>
-                                </p:cTn>
-                              </p:par>
-                              <p:par>
-                                <p:cTn id="17" presetID="10" presetClass="entr" presetSubtype="0" fill="hold" grpId="0" nodeType="withEffect">
-                                  <p:stCondLst>
-                                    <p:cond delay="0"/>
-                                  </p:stCondLst>
-                                  <p:childTnLst>
-                                    <p:set>
-                                      <p:cBhvr>
-                                        <p:cTn id="18" dur="1" fill="hold">
-                                          <p:stCondLst>
-                                            <p:cond delay="0"/>
-                                          </p:stCondLst>
-                                        </p:cTn>
-                                        <p:tgtEl>
-                                          <p:spTgt spid="20"/>
-                                        </p:tgtEl>
-                                        <p:attrNameLst>
-                                          <p:attrName>style.visibility</p:attrName>
-                                        </p:attrNameLst>
-                                      </p:cBhvr>
-                                      <p:to>
-                                        <p:strVal val="visible"/>
-                                      </p:to>
-                                    </p:set>
-                                    <p:animEffect transition="in" filter="fade">
-                                      <p:cBhvr>
-                                        <p:cTn id="19" dur="500"/>
-                                        <p:tgtEl>
-                                          <p:spTgt spid="20"/>
-                                        </p:tgtEl>
-                                      </p:cBhvr>
-                                    </p:animEffect>
-                                  </p:childTnLst>
-                                </p:cTn>
-                              </p:par>
-                            </p:childTnLst>
-                          </p:cTn>
-                        </p:par>
-                      </p:childTnLst>
-                    </p:cTn>
-                  </p:par>
-                </p:childTnLst>
-              </p:cTn>
-              <p:prevCondLst>
-                <p:cond evt="onPrev" delay="0">
-                  <p:tgtEl>
-                    <p:sldTgt/>
-                  </p:tgtEl>
-                </p:cond>
-              </p:prevCondLst>
-              <p:nextCondLst>
-                <p:cond evt="onNext" delay="0">
-                  <p:tgtEl>
-                    <p:sldTgt/>
-                  </p:tgtEl>
-                </p:cond>
-              </p:nextCondLst>
-            </p:seq>
-          </p:childTnLst>
-        </p:cTn>
-      </p:par>
-    </p:tnLst>
-    <p:bldLst>
-      <p:bldP spid="20" grpId="0"/>
-    </p:bldLst>
-  </p:timing>
 </p:sld>
 </file>
 
